--- a/ch07-Spring-for-JDBC-and-Transaction/ch07-slide-Spring-for-JDBC-and-Transaction.pptx
+++ b/ch07-Spring-for-JDBC-and-Transaction/ch07-slide-Spring-for-JDBC-and-Transaction.pptx
@@ -2026,7 +2026,7 @@
                 <a:ea typeface="+mn-ea"/>
                 <a:cs typeface="+mn-cs"/>
               </a:rPr>
-              <a:t>2017/6/12</a:t>
+              <a:t>2018/3/4</a:t>
             </a:fld>
             <a:endParaRPr kumimoji="0" lang="zh-CN" altLang="en-US" sz="1800" b="0" i="0" u="none" strike="noStrike" kern="1200" cap="none" spc="0" normalizeH="0" baseline="0" noProof="0">
               <a:ln>
@@ -5163,92 +5163,6 @@
           </a:ln>
         </p:spPr>
       </p:pic>
-      <p:sp>
-        <p:nvSpPr>
-          <p:cNvPr id="15" name="文本框 14"/>
-          <p:cNvSpPr txBox="1"/>
-          <p:nvPr/>
-        </p:nvSpPr>
-        <p:spPr>
-          <a:xfrm>
-            <a:off x="5665788" y="4262438"/>
-            <a:ext cx="6037262" cy="369887"/>
-          </a:xfrm>
-          <a:prstGeom prst="rect">
-            <a:avLst/>
-          </a:prstGeom>
-          <a:noFill/>
-          <a:ln w="9525">
-            <a:noFill/>
-          </a:ln>
-        </p:spPr>
-        <p:txBody>
-          <a:bodyPr>
-            <a:spAutoFit/>
-          </a:bodyPr>
-          <a:lstStyle/>
-          <a:p>
-            <a:pPr lvl="0" algn="r" eaLnBrk="1" hangingPunct="1"/>
-            <a:r>
-              <a:rPr lang="en-US" altLang="zh-CN" b="1" dirty="0" smtClean="0">
-                <a:solidFill>
-                  <a:srgbClr val="006A32"/>
-                </a:solidFill>
-                <a:latin typeface="微软雅黑" panose="020B0503020204020204" pitchFamily="34" charset="-122"/>
-                <a:ea typeface="微软雅黑" panose="020B0503020204020204" pitchFamily="34" charset="-122"/>
-              </a:rPr>
-              <a:t>Java</a:t>
-            </a:r>
-            <a:r>
-              <a:rPr lang="zh-CN" altLang="en-US" b="1" dirty="0" smtClean="0">
-                <a:solidFill>
-                  <a:srgbClr val="006A32"/>
-                </a:solidFill>
-                <a:latin typeface="微软雅黑" panose="020B0503020204020204" pitchFamily="34" charset="-122"/>
-                <a:ea typeface="微软雅黑" panose="020B0503020204020204" pitchFamily="34" charset="-122"/>
-              </a:rPr>
-              <a:t> </a:t>
-            </a:r>
-            <a:r>
-              <a:rPr lang="en-US" altLang="zh-CN" b="1" dirty="0" smtClean="0">
-                <a:solidFill>
-                  <a:srgbClr val="006A32"/>
-                </a:solidFill>
-                <a:latin typeface="微软雅黑" panose="020B0503020204020204" pitchFamily="34" charset="-122"/>
-                <a:ea typeface="微软雅黑" panose="020B0503020204020204" pitchFamily="34" charset="-122"/>
-              </a:rPr>
-              <a:t>/ </a:t>
-            </a:r>
-            <a:r>
-              <a:rPr lang="zh-CN" altLang="en-US" b="1" dirty="0" smtClean="0">
-                <a:solidFill>
-                  <a:srgbClr val="006A32"/>
-                </a:solidFill>
-                <a:latin typeface="微软雅黑" panose="020B0503020204020204" pitchFamily="34" charset="-122"/>
-                <a:ea typeface="微软雅黑" panose="020B0503020204020204" pitchFamily="34" charset="-122"/>
-              </a:rPr>
-              <a:t>王伟</a:t>
-            </a:r>
-            <a:r>
-              <a:rPr lang="en-US" altLang="zh-CN" b="1" dirty="0" smtClean="0">
-                <a:solidFill>
-                  <a:srgbClr val="006A32"/>
-                </a:solidFill>
-                <a:latin typeface="微软雅黑" panose="020B0503020204020204" pitchFamily="34" charset="-122"/>
-                <a:ea typeface="微软雅黑" panose="020B0503020204020204" pitchFamily="34" charset="-122"/>
-              </a:rPr>
-              <a:t> </a:t>
-            </a:r>
-            <a:endParaRPr lang="zh-CN" altLang="en-US" b="1" dirty="0">
-              <a:solidFill>
-                <a:srgbClr val="006A32"/>
-              </a:solidFill>
-              <a:latin typeface="微软雅黑" panose="020B0503020204020204" pitchFamily="34" charset="-122"/>
-              <a:ea typeface="微软雅黑" panose="020B0503020204020204" pitchFamily="34" charset="-122"/>
-            </a:endParaRPr>
-          </a:p>
-        </p:txBody>
-      </p:sp>
       <p:pic>
         <p:nvPicPr>
           <p:cNvPr id="17" name="图片 16"/>
@@ -5966,168 +5880,14 @@
                             </p:stCondLst>
                             <p:childTnLst>
                               <p:par>
-                                <p:cTn id="33" presetID="41" presetClass="entr" presetSubtype="0" fill="hold" grpId="0" nodeType="afterEffect">
-                                  <p:stCondLst>
-                                    <p:cond delay="0"/>
-                                  </p:stCondLst>
-                                  <p:iterate type="lt">
-                                    <p:tmPct val="10000"/>
-                                  </p:iterate>
-                                  <p:childTnLst>
-                                    <p:set>
-                                      <p:cBhvr>
-                                        <p:cTn id="34" dur="1" fill="hold">
-                                          <p:stCondLst>
-                                            <p:cond delay="0"/>
-                                          </p:stCondLst>
-                                        </p:cTn>
-                                        <p:tgtEl>
-                                          <p:spTgt spid="15"/>
-                                        </p:tgtEl>
-                                        <p:attrNameLst>
-                                          <p:attrName>style.visibility</p:attrName>
-                                        </p:attrNameLst>
-                                      </p:cBhvr>
-                                      <p:to>
-                                        <p:strVal val="visible"/>
-                                      </p:to>
-                                    </p:set>
-                                    <p:anim calcmode="lin" valueType="num">
-                                      <p:cBhvr>
-                                        <p:cTn id="35" dur="500" fill="hold"/>
-                                        <p:tgtEl>
-                                          <p:spTgt spid="15"/>
-                                        </p:tgtEl>
-                                        <p:attrNameLst>
-                                          <p:attrName>ppt_x</p:attrName>
-                                        </p:attrNameLst>
-                                      </p:cBhvr>
-                                      <p:tavLst>
-                                        <p:tav tm="0">
-                                          <p:val>
-                                            <p:strVal val="#ppt_x"/>
-                                          </p:val>
-                                        </p:tav>
-                                        <p:tav tm="50000">
-                                          <p:val>
-                                            <p:strVal val="#ppt_x+.1"/>
-                                          </p:val>
-                                        </p:tav>
-                                        <p:tav tm="100000">
-                                          <p:val>
-                                            <p:strVal val="#ppt_x"/>
-                                          </p:val>
-                                        </p:tav>
-                                      </p:tavLst>
-                                    </p:anim>
-                                    <p:anim calcmode="lin" valueType="num">
-                                      <p:cBhvr>
-                                        <p:cTn id="36" dur="500" fill="hold"/>
-                                        <p:tgtEl>
-                                          <p:spTgt spid="15"/>
-                                        </p:tgtEl>
-                                        <p:attrNameLst>
-                                          <p:attrName>ppt_y</p:attrName>
-                                        </p:attrNameLst>
-                                      </p:cBhvr>
-                                      <p:tavLst>
-                                        <p:tav tm="0">
-                                          <p:val>
-                                            <p:strVal val="#ppt_y"/>
-                                          </p:val>
-                                        </p:tav>
-                                        <p:tav tm="100000">
-                                          <p:val>
-                                            <p:strVal val="#ppt_y"/>
-                                          </p:val>
-                                        </p:tav>
-                                      </p:tavLst>
-                                    </p:anim>
-                                    <p:anim calcmode="lin" valueType="num">
-                                      <p:cBhvr>
-                                        <p:cTn id="37" dur="500" fill="hold"/>
-                                        <p:tgtEl>
-                                          <p:spTgt spid="15"/>
-                                        </p:tgtEl>
-                                        <p:attrNameLst>
-                                          <p:attrName>ppt_h</p:attrName>
-                                        </p:attrNameLst>
-                                      </p:cBhvr>
-                                      <p:tavLst>
-                                        <p:tav tm="0">
-                                          <p:val>
-                                            <p:strVal val="#ppt_h/10"/>
-                                          </p:val>
-                                        </p:tav>
-                                        <p:tav tm="50000">
-                                          <p:val>
-                                            <p:strVal val="#ppt_h+.01"/>
-                                          </p:val>
-                                        </p:tav>
-                                        <p:tav tm="100000">
-                                          <p:val>
-                                            <p:strVal val="#ppt_h"/>
-                                          </p:val>
-                                        </p:tav>
-                                      </p:tavLst>
-                                    </p:anim>
-                                    <p:anim calcmode="lin" valueType="num">
-                                      <p:cBhvr>
-                                        <p:cTn id="38" dur="500" fill="hold"/>
-                                        <p:tgtEl>
-                                          <p:spTgt spid="15"/>
-                                        </p:tgtEl>
-                                        <p:attrNameLst>
-                                          <p:attrName>ppt_w</p:attrName>
-                                        </p:attrNameLst>
-                                      </p:cBhvr>
-                                      <p:tavLst>
-                                        <p:tav tm="0">
-                                          <p:val>
-                                            <p:strVal val="#ppt_w/10"/>
-                                          </p:val>
-                                        </p:tav>
-                                        <p:tav tm="50000">
-                                          <p:val>
-                                            <p:strVal val="#ppt_w+.01"/>
-                                          </p:val>
-                                        </p:tav>
-                                        <p:tav tm="100000">
-                                          <p:val>
-                                            <p:strVal val="#ppt_w"/>
-                                          </p:val>
-                                        </p:tav>
-                                      </p:tavLst>
-                                    </p:anim>
-                                    <p:animEffect transition="in" filter="fade">
-                                      <p:cBhvr>
-                                        <p:cTn id="39" dur="500" tmFilter="0,0; .5, 1; 1, 1"/>
-                                        <p:tgtEl>
-                                          <p:spTgt spid="15"/>
-                                        </p:tgtEl>
-                                      </p:cBhvr>
-                                    </p:animEffect>
-                                  </p:childTnLst>
-                                </p:cTn>
-                              </p:par>
-                            </p:childTnLst>
-                          </p:cTn>
-                        </p:par>
-                        <p:par>
-                          <p:cTn id="40" fill="hold">
-                            <p:stCondLst>
-                              <p:cond delay="3100"/>
-                            </p:stCondLst>
-                            <p:childTnLst>
-                              <p:par>
-                                <p:cTn id="41" presetID="53" presetClass="entr" presetSubtype="16" fill="hold" nodeType="afterEffect">
+                                <p:cTn id="33" presetID="53" presetClass="entr" presetSubtype="16" fill="hold" nodeType="afterEffect">
                                   <p:stCondLst>
                                     <p:cond delay="0"/>
                                   </p:stCondLst>
                                   <p:childTnLst>
                                     <p:set>
                                       <p:cBhvr>
-                                        <p:cTn id="42" dur="1" fill="hold">
+                                        <p:cTn id="34" dur="1" fill="hold">
                                           <p:stCondLst>
                                             <p:cond delay="0"/>
                                           </p:stCondLst>
@@ -6145,7 +5905,7 @@
                                     </p:set>
                                     <p:anim calcmode="lin" valueType="num">
                                       <p:cBhvr>
-                                        <p:cTn id="43" dur="500" fill="hold"/>
+                                        <p:cTn id="35" dur="500" fill="hold"/>
                                         <p:tgtEl>
                                           <p:spTgt spid="3"/>
                                         </p:tgtEl>
@@ -6168,7 +5928,7 @@
                                     </p:anim>
                                     <p:anim calcmode="lin" valueType="num">
                                       <p:cBhvr>
-                                        <p:cTn id="44" dur="500" fill="hold"/>
+                                        <p:cTn id="36" dur="500" fill="hold"/>
                                         <p:tgtEl>
                                           <p:spTgt spid="3"/>
                                         </p:tgtEl>
@@ -6191,7 +5951,7 @@
                                     </p:anim>
                                     <p:animEffect transition="in" filter="fade">
                                       <p:cBhvr>
-                                        <p:cTn id="45" dur="500"/>
+                                        <p:cTn id="37" dur="500"/>
                                         <p:tgtEl>
                                           <p:spTgt spid="3"/>
                                         </p:tgtEl>
@@ -6229,7 +5989,6 @@
     </p:tnLst>
     <p:bldLst>
       <p:bldP spid="11" grpId="0"/>
-      <p:bldP spid="15" grpId="0"/>
       <p:bldP spid="5" grpId="0"/>
     </p:bldLst>
   </p:timing>
@@ -13834,7 +13593,6 @@
               <a:rPr lang="zh-CN" altLang="en-US" dirty="0"/>
               <a:t>轻量级容器的理想</a:t>
             </a:r>
-            <a:endParaRPr lang="zh-CN" altLang="en-US" dirty="0"/>
           </a:p>
           <a:p>
             <a:pPr lvl="2"/>
@@ -15491,16 +15249,7 @@
                   </a:solidFill>
                   <a:latin typeface="微软雅黑" panose="020B0503020204020204" pitchFamily="34" charset="-122"/>
                 </a:rPr>
-                <a:t>式</a:t>
-              </a:r>
-              <a:r>
-                <a:rPr lang="zh-CN" altLang="en-US" sz="2400" dirty="0" smtClean="0">
-                  <a:solidFill>
-                    <a:srgbClr val="3C7832"/>
-                  </a:solidFill>
-                  <a:latin typeface="微软雅黑" panose="020B0503020204020204" pitchFamily="34" charset="-122"/>
-                </a:rPr>
-                <a:t>事务管理</a:t>
+                <a:t>式事务管理</a:t>
               </a:r>
               <a:endParaRPr lang="zh-CN" altLang="en-US" sz="2400" dirty="0">
                 <a:solidFill>
@@ -15654,15 +15403,7 @@
           <a:p>
             <a:r>
               <a:rPr lang="zh-CN" altLang="en-US" dirty="0" smtClean="0"/>
-              <a:t>声明式</a:t>
-            </a:r>
-            <a:r>
-              <a:rPr lang="zh-CN" altLang="en-US" dirty="0" smtClean="0"/>
-              <a:t>事务</a:t>
-            </a:r>
-            <a:r>
-              <a:rPr lang="zh-CN" altLang="en-US" dirty="0" smtClean="0"/>
-              <a:t>管理</a:t>
+              <a:t>声明式事务管理</a:t>
             </a:r>
             <a:endParaRPr lang="en-US" altLang="zh-CN" dirty="0" smtClean="0"/>
           </a:p>
@@ -15932,16 +15673,7 @@
                   </a:solidFill>
                   <a:latin typeface="微软雅黑" panose="020B0503020204020204" pitchFamily="34" charset="-122"/>
                 </a:rPr>
-                <a:t>式</a:t>
-              </a:r>
-              <a:r>
-                <a:rPr lang="zh-CN" altLang="en-US" sz="2400" dirty="0" smtClean="0">
-                  <a:solidFill>
-                    <a:srgbClr val="3C7832"/>
-                  </a:solidFill>
-                  <a:latin typeface="微软雅黑" panose="020B0503020204020204" pitchFamily="34" charset="-122"/>
-                </a:rPr>
-                <a:t>事务管理</a:t>
+                <a:t>式事务管理</a:t>
               </a:r>
               <a:endParaRPr lang="zh-CN" altLang="en-US" sz="2400" dirty="0">
                 <a:solidFill>
